--- a/images/record/OpenStack_Newton_Install/OpenStack_Newton_Install.pptx
+++ b/images/record/OpenStack_Newton_Install/OpenStack_Newton_Install.pptx
@@ -109,7 +109,7 @@
   </p:defaultTextStyle>
   <p:extLst>
     <p:ext uri="{EFAFB233-063F-42B5-8137-9DF3F51BA10A}">
-      <p15:sldGuideLst xmlns:p15="http://schemas.microsoft.com/office/powerpoint/2012/main" xmlns="">
+      <p15:sldGuideLst xmlns="" xmlns:p15="http://schemas.microsoft.com/office/powerpoint/2012/main">
         <p15:guide id="1" orient="horz" pos="2160">
           <p15:clr>
             <a:srgbClr val="A4A3A4"/>
@@ -213,7 +213,7 @@
           <a:p>
             <a:fld id="{6CD5550B-26C4-49A9-A5BA-636EF7BE6CE9}" type="datetimeFigureOut">
               <a:rPr lang="ko-KR" altLang="en-US" smtClean="0"/>
-              <a:t>2017-07-04</a:t>
+              <a:t>2017-07-12</a:t>
             </a:fld>
             <a:endParaRPr lang="ko-KR" altLang="en-US"/>
           </a:p>
@@ -746,7 +746,7 @@
           <a:p>
             <a:fld id="{FB30EDBD-1C2D-4C1E-B459-B60219FAB484}" type="datetimeFigureOut">
               <a:rPr lang="ko-KR" altLang="en-US" smtClean="0"/>
-              <a:t>2017-07-04</a:t>
+              <a:t>2017-07-12</a:t>
             </a:fld>
             <a:endParaRPr lang="ko-KR" altLang="en-US"/>
           </a:p>
@@ -911,7 +911,7 @@
           <a:p>
             <a:fld id="{FB30EDBD-1C2D-4C1E-B459-B60219FAB484}" type="datetimeFigureOut">
               <a:rPr lang="ko-KR" altLang="en-US" smtClean="0"/>
-              <a:t>2017-07-04</a:t>
+              <a:t>2017-07-12</a:t>
             </a:fld>
             <a:endParaRPr lang="ko-KR" altLang="en-US"/>
           </a:p>
@@ -1086,7 +1086,7 @@
           <a:p>
             <a:fld id="{FB30EDBD-1C2D-4C1E-B459-B60219FAB484}" type="datetimeFigureOut">
               <a:rPr lang="ko-KR" altLang="en-US" smtClean="0"/>
-              <a:t>2017-07-04</a:t>
+              <a:t>2017-07-12</a:t>
             </a:fld>
             <a:endParaRPr lang="ko-KR" altLang="en-US"/>
           </a:p>
@@ -1251,7 +1251,7 @@
           <a:p>
             <a:fld id="{FB30EDBD-1C2D-4C1E-B459-B60219FAB484}" type="datetimeFigureOut">
               <a:rPr lang="ko-KR" altLang="en-US" smtClean="0"/>
-              <a:t>2017-07-04</a:t>
+              <a:t>2017-07-12</a:t>
             </a:fld>
             <a:endParaRPr lang="ko-KR" altLang="en-US"/>
           </a:p>
@@ -1499,7 +1499,7 @@
           <a:p>
             <a:fld id="{FB30EDBD-1C2D-4C1E-B459-B60219FAB484}" type="datetimeFigureOut">
               <a:rPr lang="ko-KR" altLang="en-US" smtClean="0"/>
-              <a:t>2017-07-04</a:t>
+              <a:t>2017-07-12</a:t>
             </a:fld>
             <a:endParaRPr lang="ko-KR" altLang="en-US"/>
           </a:p>
@@ -1782,7 +1782,7 @@
           <a:p>
             <a:fld id="{FB30EDBD-1C2D-4C1E-B459-B60219FAB484}" type="datetimeFigureOut">
               <a:rPr lang="ko-KR" altLang="en-US" smtClean="0"/>
-              <a:t>2017-07-04</a:t>
+              <a:t>2017-07-12</a:t>
             </a:fld>
             <a:endParaRPr lang="ko-KR" altLang="en-US"/>
           </a:p>
@@ -2199,7 +2199,7 @@
           <a:p>
             <a:fld id="{FB30EDBD-1C2D-4C1E-B459-B60219FAB484}" type="datetimeFigureOut">
               <a:rPr lang="ko-KR" altLang="en-US" smtClean="0"/>
-              <a:t>2017-07-04</a:t>
+              <a:t>2017-07-12</a:t>
             </a:fld>
             <a:endParaRPr lang="ko-KR" altLang="en-US"/>
           </a:p>
@@ -2312,7 +2312,7 @@
           <a:p>
             <a:fld id="{FB30EDBD-1C2D-4C1E-B459-B60219FAB484}" type="datetimeFigureOut">
               <a:rPr lang="ko-KR" altLang="en-US" smtClean="0"/>
-              <a:t>2017-07-04</a:t>
+              <a:t>2017-07-12</a:t>
             </a:fld>
             <a:endParaRPr lang="ko-KR" altLang="en-US"/>
           </a:p>
@@ -2402,7 +2402,7 @@
           <a:p>
             <a:fld id="{FB30EDBD-1C2D-4C1E-B459-B60219FAB484}" type="datetimeFigureOut">
               <a:rPr lang="ko-KR" altLang="en-US" smtClean="0"/>
-              <a:t>2017-07-04</a:t>
+              <a:t>2017-07-12</a:t>
             </a:fld>
             <a:endParaRPr lang="ko-KR" altLang="en-US"/>
           </a:p>
@@ -2674,7 +2674,7 @@
           <a:p>
             <a:fld id="{FB30EDBD-1C2D-4C1E-B459-B60219FAB484}" type="datetimeFigureOut">
               <a:rPr lang="ko-KR" altLang="en-US" smtClean="0"/>
-              <a:t>2017-07-04</a:t>
+              <a:t>2017-07-12</a:t>
             </a:fld>
             <a:endParaRPr lang="ko-KR" altLang="en-US"/>
           </a:p>
@@ -2922,7 +2922,7 @@
           <a:p>
             <a:fld id="{FB30EDBD-1C2D-4C1E-B459-B60219FAB484}" type="datetimeFigureOut">
               <a:rPr lang="ko-KR" altLang="en-US" smtClean="0"/>
-              <a:t>2017-07-04</a:t>
+              <a:t>2017-07-12</a:t>
             </a:fld>
             <a:endParaRPr lang="ko-KR" altLang="en-US"/>
           </a:p>
@@ -3130,7 +3130,7 @@
           <a:p>
             <a:fld id="{FB30EDBD-1C2D-4C1E-B459-B60219FAB484}" type="datetimeFigureOut">
               <a:rPr lang="ko-KR" altLang="en-US" smtClean="0"/>
-              <a:t>2017-07-04</a:t>
+              <a:t>2017-07-12</a:t>
             </a:fld>
             <a:endParaRPr lang="ko-KR" altLang="en-US"/>
           </a:p>
@@ -3538,8 +3538,8 @@
         </p:nvSpPr>
         <p:spPr>
           <a:xfrm>
-            <a:off x="107504" y="1131590"/>
-            <a:ext cx="2880320" cy="1440160"/>
+            <a:off x="107504" y="843558"/>
+            <a:ext cx="2880320" cy="1728192"/>
           </a:xfrm>
           <a:prstGeom prst="roundRect">
             <a:avLst>
@@ -3569,9 +3569,36 @@
             <a:pPr algn="ctr"/>
             <a:r>
               <a:rPr lang="en-US" altLang="ko-KR" sz="1600" b="1" dirty="0" smtClean="0"/>
-              <a:t>Controller Node</a:t>
-            </a:r>
-            <a:endParaRPr lang="ko-KR" altLang="en-US" sz="1400" dirty="0"/>
+              <a:t>Controller, Block Node </a:t>
+            </a:r>
+          </a:p>
+          <a:p>
+            <a:pPr algn="ctr"/>
+            <a:r>
+              <a:rPr lang="en-US" altLang="ko-KR" sz="1600" b="1" dirty="0" smtClean="0"/>
+              <a:t>(</a:t>
+            </a:r>
+            <a:r>
+              <a:rPr lang="en-US" altLang="ko-KR" sz="1600" b="1" dirty="0" err="1"/>
+              <a:t>1</a:t>
+            </a:r>
+            <a:r>
+              <a:rPr lang="en-US" altLang="ko-KR" sz="1600" b="1" dirty="0" err="1" smtClean="0"/>
+              <a:t>vCPU</a:t>
+            </a:r>
+            <a:r>
+              <a:rPr lang="en-US" altLang="ko-KR" sz="1600" b="1" dirty="0" smtClean="0"/>
+              <a:t>, </a:t>
+            </a:r>
+            <a:r>
+              <a:rPr lang="en-US" altLang="ko-KR" sz="1600" b="1" dirty="0" err="1" smtClean="0"/>
+              <a:t>4096M</a:t>
+            </a:r>
+            <a:r>
+              <a:rPr lang="en-US" altLang="ko-KR" sz="1600" b="1" dirty="0" smtClean="0"/>
+              <a:t>) </a:t>
+            </a:r>
+            <a:endParaRPr lang="ko-KR" altLang="en-US" sz="1600" dirty="0"/>
           </a:p>
         </p:txBody>
       </p:sp>
@@ -3680,7 +3707,6 @@
               <a:rPr lang="en-US" altLang="ko-KR" sz="1200" dirty="0" smtClean="0"/>
               <a:t>192.168.77.170</a:t>
             </a:r>
-            <a:endParaRPr lang="en-US" altLang="ko-KR" sz="1200" dirty="0" smtClean="0"/>
           </a:p>
           <a:p>
             <a:pPr algn="ctr"/>
@@ -3743,7 +3769,11 @@
             </a:r>
             <a:r>
               <a:rPr lang="en-US" altLang="ko-KR" sz="1200" dirty="0" smtClean="0"/>
-              <a:t> (root)</a:t>
+              <a:t> </a:t>
+            </a:r>
+            <a:r>
+              <a:rPr lang="en-US" altLang="ko-KR" sz="1200" dirty="0" err="1" smtClean="0"/>
+              <a:t>30G</a:t>
             </a:r>
             <a:endParaRPr lang="en-US" altLang="ko-KR" sz="1200" dirty="0" smtClean="0"/>
           </a:p>
@@ -3757,8 +3787,8 @@
         </p:nvSpPr>
         <p:spPr>
           <a:xfrm>
-            <a:off x="3131840" y="1131590"/>
-            <a:ext cx="2880320" cy="1440160"/>
+            <a:off x="3131840" y="843558"/>
+            <a:ext cx="2880320" cy="1728192"/>
           </a:xfrm>
           <a:prstGeom prst="roundRect">
             <a:avLst>
@@ -3788,7 +3818,34 @@
             <a:pPr algn="ctr"/>
             <a:r>
               <a:rPr lang="en-US" altLang="ko-KR" sz="1600" b="1" dirty="0" smtClean="0"/>
-              <a:t>Compute Node</a:t>
+              <a:t>Compute </a:t>
+            </a:r>
+            <a:r>
+              <a:rPr lang="en-US" altLang="ko-KR" sz="1600" b="1" dirty="0" smtClean="0"/>
+              <a:t>Node</a:t>
+            </a:r>
+          </a:p>
+          <a:p>
+            <a:pPr algn="ctr"/>
+            <a:r>
+              <a:rPr lang="en-US" altLang="ko-KR" sz="1600" b="1" dirty="0" smtClean="0"/>
+              <a:t>(</a:t>
+            </a:r>
+            <a:r>
+              <a:rPr lang="en-US" altLang="ko-KR" sz="1600" b="1" dirty="0" err="1" smtClean="0"/>
+              <a:t>4vCPU</a:t>
+            </a:r>
+            <a:r>
+              <a:rPr lang="en-US" altLang="ko-KR" sz="1600" b="1" dirty="0" smtClean="0"/>
+              <a:t>, </a:t>
+            </a:r>
+            <a:r>
+              <a:rPr lang="en-US" altLang="ko-KR" sz="1600" b="1" dirty="0" err="1" smtClean="0"/>
+              <a:t>4096M</a:t>
+            </a:r>
+            <a:r>
+              <a:rPr lang="en-US" altLang="ko-KR" sz="1600" b="1" dirty="0" smtClean="0"/>
+              <a:t>)</a:t>
             </a:r>
             <a:endParaRPr lang="ko-KR" altLang="en-US" sz="1400" dirty="0"/>
           </a:p>
@@ -3899,7 +3956,6 @@
               <a:rPr lang="en-US" altLang="ko-KR" sz="1200" dirty="0" smtClean="0"/>
               <a:t>192.168.77.180</a:t>
             </a:r>
-            <a:endParaRPr lang="en-US" altLang="ko-KR" sz="1200" dirty="0" smtClean="0"/>
           </a:p>
           <a:p>
             <a:pPr algn="ctr"/>
@@ -3962,7 +4018,11 @@
             </a:r>
             <a:r>
               <a:rPr lang="en-US" altLang="ko-KR" sz="1200" dirty="0" smtClean="0"/>
-              <a:t> (root)</a:t>
+              <a:t> </a:t>
+            </a:r>
+            <a:r>
+              <a:rPr lang="en-US" altLang="ko-KR" sz="1200" dirty="0" err="1" smtClean="0"/>
+              <a:t>30G</a:t>
             </a:r>
             <a:endParaRPr lang="en-US" altLang="ko-KR" sz="1200" dirty="0" smtClean="0"/>
           </a:p>
@@ -3976,8 +4036,8 @@
         </p:nvSpPr>
         <p:spPr>
           <a:xfrm>
-            <a:off x="6156176" y="1131590"/>
-            <a:ext cx="2880320" cy="1440160"/>
+            <a:off x="6156176" y="843558"/>
+            <a:ext cx="2880320" cy="1728192"/>
           </a:xfrm>
           <a:prstGeom prst="roundRect">
             <a:avLst>
@@ -4007,7 +4067,38 @@
             <a:pPr algn="ctr"/>
             <a:r>
               <a:rPr lang="en-US" altLang="ko-KR" sz="1600" b="1" dirty="0" smtClean="0"/>
-              <a:t>Storage Node</a:t>
+              <a:t>Storage </a:t>
+            </a:r>
+            <a:r>
+              <a:rPr lang="en-US" altLang="ko-KR" sz="1600" b="1" dirty="0" smtClean="0"/>
+              <a:t>Node</a:t>
+            </a:r>
+          </a:p>
+          <a:p>
+            <a:pPr algn="ctr"/>
+            <a:r>
+              <a:rPr lang="en-US" altLang="ko-KR" sz="1600" b="1" dirty="0" smtClean="0"/>
+              <a:t>(</a:t>
+            </a:r>
+            <a:r>
+              <a:rPr lang="en-US" altLang="ko-KR" sz="1600" b="1" dirty="0" err="1"/>
+              <a:t>1</a:t>
+            </a:r>
+            <a:r>
+              <a:rPr lang="en-US" altLang="ko-KR" sz="1600" b="1" dirty="0" err="1" smtClean="0"/>
+              <a:t>vCPU</a:t>
+            </a:r>
+            <a:r>
+              <a:rPr lang="en-US" altLang="ko-KR" sz="1600" b="1" dirty="0" smtClean="0"/>
+              <a:t>, </a:t>
+            </a:r>
+            <a:r>
+              <a:rPr lang="en-US" altLang="ko-KR" sz="1600" b="1" dirty="0" err="1" smtClean="0"/>
+              <a:t>4096M</a:t>
+            </a:r>
+            <a:r>
+              <a:rPr lang="en-US" altLang="ko-KR" sz="1600" b="1" dirty="0" smtClean="0"/>
+              <a:t>)</a:t>
             </a:r>
             <a:endParaRPr lang="ko-KR" altLang="en-US" sz="1400" dirty="0"/>
           </a:p>
@@ -4071,63 +4162,6 @@
       </p:sp>
       <p:sp>
         <p:nvSpPr>
-          <p:cNvPr id="43" name="모서리가 둥근 직사각형 42"/>
-          <p:cNvSpPr/>
-          <p:nvPr/>
-        </p:nvSpPr>
-        <p:spPr>
-          <a:xfrm>
-            <a:off x="7643866" y="1995686"/>
-            <a:ext cx="1320622" cy="504056"/>
-          </a:xfrm>
-          <a:prstGeom prst="roundRect">
-            <a:avLst>
-              <a:gd name="adj" fmla="val 11578"/>
-            </a:avLst>
-          </a:prstGeom>
-          <a:noFill/>
-        </p:spPr>
-        <p:style>
-          <a:lnRef idx="2">
-            <a:schemeClr val="dk1"/>
-          </a:lnRef>
-          <a:fillRef idx="1">
-            <a:schemeClr val="lt1"/>
-          </a:fillRef>
-          <a:effectRef idx="0">
-            <a:schemeClr val="dk1"/>
-          </a:effectRef>
-          <a:fontRef idx="minor">
-            <a:schemeClr val="dk1"/>
-          </a:fontRef>
-        </p:style>
-        <p:txBody>
-          <a:bodyPr rtlCol="0" anchor="t"/>
-          <a:lstStyle/>
-          <a:p>
-            <a:pPr algn="ctr"/>
-            <a:r>
-              <a:rPr lang="en-US" altLang="ko-KR" sz="1200" dirty="0" err="1" smtClean="0"/>
-              <a:t>enp0s8</a:t>
-            </a:r>
-            <a:endParaRPr lang="en-US" altLang="ko-KR" sz="1200" dirty="0" smtClean="0"/>
-          </a:p>
-          <a:p>
-            <a:pPr algn="ctr"/>
-            <a:r>
-              <a:rPr lang="en-US" altLang="ko-KR" sz="1200" dirty="0" smtClean="0"/>
-              <a:t>192.168.77.190</a:t>
-            </a:r>
-            <a:endParaRPr lang="en-US" altLang="ko-KR" sz="1200" dirty="0" smtClean="0"/>
-          </a:p>
-          <a:p>
-            <a:pPr algn="ctr"/>
-            <a:endParaRPr lang="ko-KR" altLang="en-US" sz="1100" dirty="0"/>
-          </a:p>
-        </p:txBody>
-      </p:sp>
-      <p:sp>
-        <p:nvSpPr>
           <p:cNvPr id="45" name="모서리가 둥근 직사각형 44"/>
           <p:cNvSpPr/>
           <p:nvPr/>
@@ -4180,8 +4214,12 @@
               <a:t>sda</a:t>
             </a:r>
             <a:r>
-              <a:rPr lang="en-US" altLang="ko-KR" sz="1200" dirty="0" smtClean="0"/>
-              <a:t> (root)</a:t>
+              <a:rPr lang="en-US" altLang="ko-KR" sz="1200" dirty="0"/>
+              <a:t> </a:t>
+            </a:r>
+            <a:r>
+              <a:rPr lang="en-US" altLang="ko-KR" sz="1200" dirty="0" err="1" smtClean="0"/>
+              <a:t>30G</a:t>
             </a:r>
             <a:endParaRPr lang="en-US" altLang="ko-KR" sz="1200" dirty="0" smtClean="0"/>
           </a:p>
@@ -4242,15 +4280,15 @@
             </a:r>
             <a:r>
               <a:rPr lang="en-US" altLang="ko-KR" sz="1200" dirty="0" smtClean="0"/>
-              <a:t> (</a:t>
+              <a:t> </a:t>
+            </a:r>
+            <a:r>
+              <a:rPr lang="en-US" altLang="ko-KR" sz="1200" dirty="0" err="1"/>
+              <a:t>5</a:t>
             </a:r>
             <a:r>
               <a:rPr lang="en-US" altLang="ko-KR" sz="1200" dirty="0" err="1" smtClean="0"/>
-              <a:t>LVM</a:t>
-            </a:r>
-            <a:r>
-              <a:rPr lang="en-US" altLang="ko-KR" sz="1200" dirty="0" smtClean="0"/>
-              <a:t>)</a:t>
+              <a:t>0G</a:t>
             </a:r>
             <a:endParaRPr lang="en-US" altLang="ko-KR" sz="1200" dirty="0" smtClean="0"/>
           </a:p>
@@ -4264,8 +4302,8 @@
         </p:nvSpPr>
         <p:spPr>
           <a:xfrm>
-            <a:off x="2387282" y="3219822"/>
-            <a:ext cx="1320622" cy="504056"/>
+            <a:off x="755575" y="3147814"/>
+            <a:ext cx="1584178" cy="504056"/>
           </a:xfrm>
           <a:prstGeom prst="roundRect">
             <a:avLst>
@@ -4295,7 +4333,7 @@
             <a:pPr algn="ctr"/>
             <a:r>
               <a:rPr lang="en-US" altLang="ko-KR" sz="1200" dirty="0" smtClean="0"/>
-              <a:t>NAT</a:t>
+              <a:t>NAT (Virtual Box)</a:t>
             </a:r>
             <a:endParaRPr lang="en-US" altLang="ko-KR" sz="1200" dirty="0" smtClean="0"/>
           </a:p>
@@ -4305,7 +4343,6 @@
               <a:rPr lang="en-US" altLang="ko-KR" sz="1200" dirty="0" smtClean="0"/>
               <a:t>10.0.0.0/24</a:t>
             </a:r>
-            <a:endParaRPr lang="en-US" altLang="ko-KR" sz="1200" dirty="0" smtClean="0"/>
           </a:p>
         </p:txBody>
       </p:sp>
@@ -4317,8 +4354,8 @@
         </p:nvSpPr>
         <p:spPr>
           <a:xfrm>
-            <a:off x="5426981" y="3219822"/>
-            <a:ext cx="1320622" cy="504056"/>
+            <a:off x="3779912" y="3147814"/>
+            <a:ext cx="1584176" cy="504056"/>
           </a:xfrm>
           <a:prstGeom prst="roundRect">
             <a:avLst>
@@ -4348,7 +4385,14 @@
             <a:pPr algn="ctr"/>
             <a:r>
               <a:rPr lang="en-US" altLang="ko-KR" sz="1200" dirty="0" smtClean="0"/>
-              <a:t>Gateway</a:t>
+              <a:t>Router</a:t>
+            </a:r>
+          </a:p>
+          <a:p>
+            <a:pPr algn="ctr"/>
+            <a:r>
+              <a:rPr lang="en-US" altLang="ko-KR" sz="1200" dirty="0" smtClean="0"/>
+              <a:t>192.168.77.0/24</a:t>
             </a:r>
             <a:endParaRPr lang="en-US" altLang="ko-KR" sz="1200" dirty="0" smtClean="0"/>
           </a:p>
@@ -4366,7 +4410,7 @@
         <p:spPr>
           <a:xfrm>
             <a:off x="843969" y="2499742"/>
-            <a:ext cx="2203624" cy="720080"/>
+            <a:ext cx="703695" cy="648072"/>
           </a:xfrm>
           <a:prstGeom prst="line">
             <a:avLst/>
@@ -4403,8 +4447,8 @@
         </p:nvCxnSpPr>
         <p:spPr>
           <a:xfrm flipH="1">
-            <a:off x="3047593" y="2499742"/>
-            <a:ext cx="820712" cy="720080"/>
+            <a:off x="1547664" y="2499742"/>
+            <a:ext cx="2320641" cy="648072"/>
           </a:xfrm>
           <a:prstGeom prst="line">
             <a:avLst/>
@@ -4441,8 +4485,8 @@
         </p:nvCxnSpPr>
         <p:spPr>
           <a:xfrm flipH="1">
-            <a:off x="3047593" y="2499742"/>
-            <a:ext cx="3845048" cy="720080"/>
+            <a:off x="1547664" y="2499742"/>
+            <a:ext cx="5344977" cy="648072"/>
           </a:xfrm>
           <a:prstGeom prst="line">
             <a:avLst/>
@@ -4479,8 +4523,8 @@
         </p:nvCxnSpPr>
         <p:spPr>
           <a:xfrm flipH="1">
-            <a:off x="3707904" y="3471850"/>
-            <a:ext cx="1719077" cy="0"/>
+            <a:off x="2339753" y="3399842"/>
+            <a:ext cx="1440159" cy="0"/>
           </a:xfrm>
           <a:prstGeom prst="line">
             <a:avLst/>
@@ -4516,8 +4560,8 @@
         </p:nvCxnSpPr>
         <p:spPr>
           <a:xfrm flipV="1">
-            <a:off x="6087292" y="3723878"/>
-            <a:ext cx="0" cy="324036"/>
+            <a:off x="4567854" y="3651870"/>
+            <a:ext cx="4146" cy="324036"/>
           </a:xfrm>
           <a:prstGeom prst="line">
             <a:avLst/>
@@ -4555,7 +4599,7 @@
         <p:spPr>
           <a:xfrm flipH="1" flipV="1">
             <a:off x="2255505" y="2499742"/>
-            <a:ext cx="3831787" cy="720080"/>
+            <a:ext cx="2316495" cy="648072"/>
           </a:xfrm>
           <a:prstGeom prst="line">
             <a:avLst/>
@@ -4591,9 +4635,9 @@
           <p:nvPr/>
         </p:nvCxnSpPr>
         <p:spPr>
-          <a:xfrm flipH="1" flipV="1">
-            <a:off x="5279841" y="2499742"/>
-            <a:ext cx="807451" cy="720080"/>
+          <a:xfrm flipV="1">
+            <a:off x="4572000" y="2499742"/>
+            <a:ext cx="707841" cy="648072"/>
           </a:xfrm>
           <a:prstGeom prst="line">
             <a:avLst/>
@@ -4619,19 +4663,64 @@
           </a:fontRef>
         </p:style>
       </p:cxnSp>
+      <p:sp>
+        <p:nvSpPr>
+          <p:cNvPr id="54" name="모서리가 둥근 직사각형 53"/>
+          <p:cNvSpPr/>
+          <p:nvPr/>
+        </p:nvSpPr>
+        <p:spPr>
+          <a:xfrm>
+            <a:off x="6156176" y="2922789"/>
+            <a:ext cx="2880320" cy="954106"/>
+          </a:xfrm>
+          <a:prstGeom prst="roundRect">
+            <a:avLst>
+              <a:gd name="adj" fmla="val 6281"/>
+            </a:avLst>
+          </a:prstGeom>
+          <a:noFill/>
+        </p:spPr>
+        <p:style>
+          <a:lnRef idx="2">
+            <a:schemeClr val="dk1"/>
+          </a:lnRef>
+          <a:fillRef idx="1">
+            <a:schemeClr val="lt1"/>
+          </a:fillRef>
+          <a:effectRef idx="0">
+            <a:schemeClr val="dk1"/>
+          </a:effectRef>
+          <a:fontRef idx="minor">
+            <a:schemeClr val="dk1"/>
+          </a:fontRef>
+        </p:style>
+        <p:txBody>
+          <a:bodyPr rtlCol="0" anchor="t"/>
+          <a:lstStyle/>
+          <a:p>
+            <a:pPr algn="ctr"/>
+            <a:r>
+              <a:rPr lang="en-US" altLang="ko-KR" sz="1600" b="1" dirty="0" smtClean="0"/>
+              <a:t>PC – Web Browser</a:t>
+            </a:r>
+            <a:endParaRPr lang="ko-KR" altLang="en-US" sz="1400" dirty="0"/>
+          </a:p>
+        </p:txBody>
+      </p:sp>
       <p:cxnSp>
         <p:nvCxnSpPr>
-          <p:cNvPr id="61" name="직선 연결선 60"/>
+          <p:cNvPr id="56" name="직선 연결선 55"/>
           <p:cNvCxnSpPr>
-            <a:stCxn id="48" idx="0"/>
-            <a:endCxn id="43" idx="2"/>
+            <a:stCxn id="48" idx="3"/>
+            <a:endCxn id="60" idx="1"/>
           </p:cNvCxnSpPr>
           <p:nvPr/>
         </p:nvCxnSpPr>
         <p:spPr>
-          <a:xfrm flipV="1">
-            <a:off x="6087292" y="2499742"/>
-            <a:ext cx="2216885" cy="720080"/>
+          <a:xfrm>
+            <a:off x="5364088" y="3399842"/>
+            <a:ext cx="864096" cy="144016"/>
           </a:xfrm>
           <a:prstGeom prst="line">
             <a:avLst/>
@@ -4657,6 +4746,63 @@
           </a:fontRef>
         </p:style>
       </p:cxnSp>
+      <p:sp>
+        <p:nvSpPr>
+          <p:cNvPr id="60" name="모서리가 둥근 직사각형 59"/>
+          <p:cNvSpPr/>
+          <p:nvPr/>
+        </p:nvSpPr>
+        <p:spPr>
+          <a:xfrm>
+            <a:off x="6228184" y="3291830"/>
+            <a:ext cx="1328914" cy="504056"/>
+          </a:xfrm>
+          <a:prstGeom prst="roundRect">
+            <a:avLst>
+              <a:gd name="adj" fmla="val 11578"/>
+            </a:avLst>
+          </a:prstGeom>
+          <a:noFill/>
+        </p:spPr>
+        <p:style>
+          <a:lnRef idx="2">
+            <a:schemeClr val="dk1"/>
+          </a:lnRef>
+          <a:fillRef idx="1">
+            <a:schemeClr val="lt1"/>
+          </a:fillRef>
+          <a:effectRef idx="0">
+            <a:schemeClr val="dk1"/>
+          </a:effectRef>
+          <a:fontRef idx="minor">
+            <a:schemeClr val="dk1"/>
+          </a:fontRef>
+        </p:style>
+        <p:txBody>
+          <a:bodyPr rtlCol="0" anchor="t"/>
+          <a:lstStyle/>
+          <a:p>
+            <a:pPr algn="ctr"/>
+            <a:r>
+              <a:rPr lang="en-US" altLang="ko-KR" sz="1200" dirty="0" err="1"/>
+              <a:t>enp0s3</a:t>
+            </a:r>
+            <a:endParaRPr lang="en-US" altLang="ko-KR" sz="1200" dirty="0"/>
+          </a:p>
+          <a:p>
+            <a:pPr algn="ctr"/>
+            <a:r>
+              <a:rPr lang="en-US" altLang="ko-KR" sz="1200" dirty="0" smtClean="0"/>
+              <a:t>192.168.77.50</a:t>
+            </a:r>
+            <a:endParaRPr lang="en-US" altLang="ko-KR" sz="1200" dirty="0" smtClean="0"/>
+          </a:p>
+          <a:p>
+            <a:pPr algn="ctr"/>
+            <a:endParaRPr lang="ko-KR" altLang="en-US" sz="1100" dirty="0"/>
+          </a:p>
+        </p:txBody>
+      </p:sp>
     </p:spTree>
     <p:extLst>
       <p:ext uri="{BB962C8B-B14F-4D97-AF65-F5344CB8AC3E}">
